--- a/Calendario2022/Presentaciones/7_ArquitecturaRed.pptx
+++ b/Calendario2022/Presentaciones/7_ArquitecturaRed.pptx
@@ -214,7 +214,7 @@
           <a:p>
             <a:fld id="{2D445F07-8756-451B-A938-0248325FC7BB}" type="datetimeFigureOut">
               <a:rPr lang="es-MX" smtClean="0"/>
-              <a:t>13/05/2022</a:t>
+              <a:t>15/05/2022</a:t>
             </a:fld>
             <a:endParaRPr lang="es-MX" dirty="0"/>
           </a:p>
@@ -747,7 +747,7 @@
           <a:p>
             <a:fld id="{5E75A0DC-66C6-4CEC-A5EB-F8C97CEC3796}" type="datetimeFigureOut">
               <a:rPr lang="es-MX" smtClean="0"/>
-              <a:t>13/05/2022</a:t>
+              <a:t>15/05/2022</a:t>
             </a:fld>
             <a:endParaRPr lang="es-MX" dirty="0"/>
           </a:p>
@@ -917,7 +917,7 @@
           <a:p>
             <a:fld id="{5E75A0DC-66C6-4CEC-A5EB-F8C97CEC3796}" type="datetimeFigureOut">
               <a:rPr lang="es-MX" smtClean="0"/>
-              <a:t>13/05/2022</a:t>
+              <a:t>15/05/2022</a:t>
             </a:fld>
             <a:endParaRPr lang="es-MX" dirty="0"/>
           </a:p>
@@ -1097,7 +1097,7 @@
           <a:p>
             <a:fld id="{5E75A0DC-66C6-4CEC-A5EB-F8C97CEC3796}" type="datetimeFigureOut">
               <a:rPr lang="es-MX" smtClean="0"/>
-              <a:t>13/05/2022</a:t>
+              <a:t>15/05/2022</a:t>
             </a:fld>
             <a:endParaRPr lang="es-MX" dirty="0"/>
           </a:p>
@@ -1267,7 +1267,7 @@
           <a:p>
             <a:fld id="{5E75A0DC-66C6-4CEC-A5EB-F8C97CEC3796}" type="datetimeFigureOut">
               <a:rPr lang="es-MX" smtClean="0"/>
-              <a:t>13/05/2022</a:t>
+              <a:t>15/05/2022</a:t>
             </a:fld>
             <a:endParaRPr lang="es-MX" dirty="0"/>
           </a:p>
@@ -1513,7 +1513,7 @@
           <a:p>
             <a:fld id="{5E75A0DC-66C6-4CEC-A5EB-F8C97CEC3796}" type="datetimeFigureOut">
               <a:rPr lang="es-MX" smtClean="0"/>
-              <a:t>13/05/2022</a:t>
+              <a:t>15/05/2022</a:t>
             </a:fld>
             <a:endParaRPr lang="es-MX" dirty="0"/>
           </a:p>
@@ -1801,7 +1801,7 @@
           <a:p>
             <a:fld id="{5E75A0DC-66C6-4CEC-A5EB-F8C97CEC3796}" type="datetimeFigureOut">
               <a:rPr lang="es-MX" smtClean="0"/>
-              <a:t>13/05/2022</a:t>
+              <a:t>15/05/2022</a:t>
             </a:fld>
             <a:endParaRPr lang="es-MX" dirty="0"/>
           </a:p>
@@ -2223,7 +2223,7 @@
           <a:p>
             <a:fld id="{5E75A0DC-66C6-4CEC-A5EB-F8C97CEC3796}" type="datetimeFigureOut">
               <a:rPr lang="es-MX" smtClean="0"/>
-              <a:t>13/05/2022</a:t>
+              <a:t>15/05/2022</a:t>
             </a:fld>
             <a:endParaRPr lang="es-MX" dirty="0"/>
           </a:p>
@@ -2341,7 +2341,7 @@
           <a:p>
             <a:fld id="{5E75A0DC-66C6-4CEC-A5EB-F8C97CEC3796}" type="datetimeFigureOut">
               <a:rPr lang="es-MX" smtClean="0"/>
-              <a:t>13/05/2022</a:t>
+              <a:t>15/05/2022</a:t>
             </a:fld>
             <a:endParaRPr lang="es-MX" dirty="0"/>
           </a:p>
@@ -2436,7 +2436,7 @@
           <a:p>
             <a:fld id="{5E75A0DC-66C6-4CEC-A5EB-F8C97CEC3796}" type="datetimeFigureOut">
               <a:rPr lang="es-MX" smtClean="0"/>
-              <a:t>13/05/2022</a:t>
+              <a:t>15/05/2022</a:t>
             </a:fld>
             <a:endParaRPr lang="es-MX" dirty="0"/>
           </a:p>
@@ -2713,7 +2713,7 @@
           <a:p>
             <a:fld id="{5E75A0DC-66C6-4CEC-A5EB-F8C97CEC3796}" type="datetimeFigureOut">
               <a:rPr lang="es-MX" smtClean="0"/>
-              <a:t>13/05/2022</a:t>
+              <a:t>15/05/2022</a:t>
             </a:fld>
             <a:endParaRPr lang="es-MX" dirty="0"/>
           </a:p>
@@ -2966,7 +2966,7 @@
           <a:p>
             <a:fld id="{5E75A0DC-66C6-4CEC-A5EB-F8C97CEC3796}" type="datetimeFigureOut">
               <a:rPr lang="es-MX" smtClean="0"/>
-              <a:t>13/05/2022</a:t>
+              <a:t>15/05/2022</a:t>
             </a:fld>
             <a:endParaRPr lang="es-MX" dirty="0"/>
           </a:p>
@@ -3179,7 +3179,7 @@
           <a:p>
             <a:fld id="{5E75A0DC-66C6-4CEC-A5EB-F8C97CEC3796}" type="datetimeFigureOut">
               <a:rPr lang="es-MX" smtClean="0"/>
-              <a:t>13/05/2022</a:t>
+              <a:t>15/05/2022</a:t>
             </a:fld>
             <a:endParaRPr lang="es-MX" dirty="0"/>
           </a:p>
@@ -3924,8 +3924,8 @@
         </p:nvSpPr>
         <p:spPr bwMode="auto">
           <a:xfrm>
-            <a:off x="802481" y="1412776"/>
-            <a:ext cx="6937870" cy="2262671"/>
+            <a:off x="802480" y="1412776"/>
+            <a:ext cx="7513935" cy="2416559"/>
           </a:xfrm>
           <a:prstGeom prst="rect">
             <a:avLst/>
@@ -4061,6 +4061,9 @@
               <a:lnSpc>
                 <a:spcPct val="150000"/>
               </a:lnSpc>
+              <a:spcAft>
+                <a:spcPts val="1200"/>
+              </a:spcAft>
               <a:buClr>
                 <a:srgbClr val="454551"/>
               </a:buClr>
@@ -4241,7 +4244,7 @@
         </p:blipFill>
         <p:spPr>
           <a:xfrm>
-            <a:off x="4355976" y="2578391"/>
+            <a:off x="4719262" y="2492896"/>
             <a:ext cx="3312368" cy="3266883"/>
           </a:xfrm>
           <a:prstGeom prst="rect">
@@ -4636,7 +4639,7 @@
         <p:spPr bwMode="auto">
           <a:xfrm>
             <a:off x="683568" y="1195092"/>
-            <a:ext cx="7272808" cy="1668214"/>
+            <a:ext cx="7776864" cy="1668214"/>
           </a:xfrm>
           <a:prstGeom prst="rect">
             <a:avLst/>
@@ -4918,7 +4921,7 @@
         </p:blipFill>
         <p:spPr>
           <a:xfrm>
-            <a:off x="1475656" y="2996952"/>
+            <a:off x="1763688" y="3140967"/>
             <a:ext cx="5458587" cy="3227607"/>
           </a:xfrm>
           <a:prstGeom prst="rect">
@@ -5313,7 +5316,7 @@
         <p:spPr bwMode="auto">
           <a:xfrm>
             <a:off x="801872" y="1130225"/>
-            <a:ext cx="7272808" cy="2031838"/>
+            <a:ext cx="7442536" cy="2031838"/>
           </a:xfrm>
           <a:prstGeom prst="rect">
             <a:avLst/>
@@ -5550,7 +5553,7 @@
         </p:blipFill>
         <p:spPr>
           <a:xfrm>
-            <a:off x="1985588" y="2924944"/>
+            <a:off x="2119311" y="3068960"/>
             <a:ext cx="4905375" cy="3228584"/>
           </a:xfrm>
           <a:prstGeom prst="rect">
@@ -5945,7 +5948,7 @@
         <p:spPr bwMode="auto">
           <a:xfrm>
             <a:off x="323528" y="931832"/>
-            <a:ext cx="8424936" cy="3324500"/>
+            <a:ext cx="8424936" cy="2678169"/>
           </a:xfrm>
           <a:prstGeom prst="rect">
             <a:avLst/>
@@ -6095,29 +6098,7 @@
                 <a:latin typeface="Arial" panose="020B0604020202020204" pitchFamily="34" charset="0"/>
                 <a:cs typeface="Arial" panose="020B0604020202020204" pitchFamily="34" charset="0"/>
               </a:rPr>
-              <a:t>Las transmisiones de voz y video en vivo requieren mayores expectativas para los servicios que se proporcionan.</a:t>
-            </a:r>
-          </a:p>
-          <a:p>
-            <a:pPr marL="241300" indent="-228600" algn="just">
-              <a:lnSpc>
-                <a:spcPct val="150000"/>
-              </a:lnSpc>
-              <a:buClr>
-                <a:srgbClr val="454551"/>
-              </a:buClr>
-              <a:buFont typeface="Arial"/>
-              <a:buChar char="•"/>
-              <a:tabLst>
-                <a:tab pos="241300" algn="l"/>
-              </a:tabLst>
-            </a:pPr>
-            <a:r>
-              <a:rPr lang="es-ES" sz="1400" dirty="0">
-                <a:latin typeface="Arial" panose="020B0604020202020204" pitchFamily="34" charset="0"/>
-                <a:cs typeface="Arial" panose="020B0604020202020204" pitchFamily="34" charset="0"/>
-              </a:rPr>
-              <a:t>¿Alguna vez miró un video en vivo con interrupciones y pausas constantes? Esto sucede cuando existe una mayor demanda de ancho de banda que la que hay disponible y la </a:t>
+              <a:t>Las transmisiones de voz y video en vivo requieren un buen desempeño. ¿Alguna vez miró un video en vivo con interrupciones y pausas constantes? Esto sucede cuando existe una mayor demanda de ancho de banda que la que hay disponible y la </a:t>
             </a:r>
             <a:r>
               <a:rPr lang="es-ES" sz="1400" dirty="0" err="1">
@@ -6263,8 +6244,8 @@
         </p:blipFill>
         <p:spPr>
           <a:xfrm>
-            <a:off x="3419872" y="3552929"/>
-            <a:ext cx="5229225" cy="3323530"/>
+            <a:off x="2843808" y="2996951"/>
+            <a:ext cx="5688632" cy="3615515"/>
           </a:xfrm>
           <a:prstGeom prst="rect">
             <a:avLst/>
@@ -6482,7 +6463,7 @@
         </p:nvSpPr>
         <p:spPr bwMode="auto">
           <a:xfrm>
-            <a:off x="802480" y="174232"/>
+            <a:off x="683568" y="149185"/>
             <a:ext cx="7539037" cy="584775"/>
           </a:xfrm>
           <a:prstGeom prst="rect">
@@ -6657,8 +6638,8 @@
         </p:nvSpPr>
         <p:spPr bwMode="auto">
           <a:xfrm>
-            <a:off x="1212725" y="882290"/>
-            <a:ext cx="7128792" cy="1991379"/>
+            <a:off x="755576" y="838616"/>
+            <a:ext cx="7747208" cy="2068323"/>
           </a:xfrm>
           <a:prstGeom prst="rect">
             <a:avLst/>
@@ -6806,7 +6787,81 @@
                 <a:latin typeface="Arial" panose="020B0604020202020204" pitchFamily="34" charset="0"/>
                 <a:cs typeface="Arial" panose="020B0604020202020204" pitchFamily="34" charset="0"/>
               </a:rPr>
-              <a:t>Existen dos tipos principales de seguridad de la red que se deben abordar:</a:t>
+              <a:t>Existen dos tipos principales de seguridad de la red:</a:t>
+            </a:r>
+          </a:p>
+          <a:p>
+            <a:pPr marL="241300" indent="-228600" algn="just">
+              <a:lnSpc>
+                <a:spcPct val="150000"/>
+              </a:lnSpc>
+              <a:spcBef>
+                <a:spcPts val="600"/>
+              </a:spcBef>
+              <a:buClr>
+                <a:srgbClr val="454551"/>
+              </a:buClr>
+              <a:buFont typeface="Arial"/>
+              <a:buChar char="•"/>
+              <a:tabLst>
+                <a:tab pos="241300" algn="l"/>
+              </a:tabLst>
+            </a:pPr>
+            <a:r>
+              <a:rPr lang="es-ES" sz="1400" b="1" dirty="0">
+                <a:solidFill>
+                  <a:schemeClr val="accent6">
+                    <a:lumMod val="75000"/>
+                  </a:schemeClr>
+                </a:solidFill>
+                <a:latin typeface="Arial" panose="020B0604020202020204" pitchFamily="34" charset="0"/>
+                <a:cs typeface="Arial" panose="020B0604020202020204" pitchFamily="34" charset="0"/>
+              </a:rPr>
+              <a:t>Seguridad de la infraestructura de la red</a:t>
+            </a:r>
+          </a:p>
+          <a:p>
+            <a:pPr marL="984250" lvl="1" algn="just">
+              <a:lnSpc>
+                <a:spcPct val="150000"/>
+              </a:lnSpc>
+              <a:buClr>
+                <a:srgbClr val="454551"/>
+              </a:buClr>
+              <a:buFont typeface="Courier New" panose="02070309020205020404" pitchFamily="49" charset="0"/>
+              <a:buChar char="o"/>
+              <a:tabLst>
+                <a:tab pos="241300" algn="l"/>
+              </a:tabLst>
+            </a:pPr>
+            <a:r>
+              <a:rPr lang="es-ES" sz="1400" dirty="0">
+                <a:latin typeface="Arial" panose="020B0604020202020204" pitchFamily="34" charset="0"/>
+                <a:cs typeface="Arial" panose="020B0604020202020204" pitchFamily="34" charset="0"/>
+              </a:rPr>
+              <a:t>Seguridad física de los dispositivos de red.</a:t>
+            </a:r>
+          </a:p>
+          <a:p>
+            <a:pPr marL="984250" lvl="1" algn="just">
+              <a:lnSpc>
+                <a:spcPct val="150000"/>
+              </a:lnSpc>
+              <a:buClr>
+                <a:srgbClr val="454551"/>
+              </a:buClr>
+              <a:buFont typeface="Courier New" panose="02070309020205020404" pitchFamily="49" charset="0"/>
+              <a:buChar char="o"/>
+              <a:tabLst>
+                <a:tab pos="241300" algn="l"/>
+              </a:tabLst>
+            </a:pPr>
+            <a:r>
+              <a:rPr lang="es-ES" sz="1400" dirty="0">
+                <a:latin typeface="Arial" panose="020B0604020202020204" pitchFamily="34" charset="0"/>
+                <a:cs typeface="Arial" panose="020B0604020202020204" pitchFamily="34" charset="0"/>
+              </a:rPr>
+              <a:t>Evitar el acceso no autorizado al software en dichos dispositivos.</a:t>
             </a:r>
           </a:p>
           <a:p>
@@ -6824,73 +6879,12 @@
               </a:tabLst>
             </a:pPr>
             <a:r>
-              <a:rPr lang="es-ES" sz="1400" dirty="0">
-                <a:latin typeface="Arial" panose="020B0604020202020204" pitchFamily="34" charset="0"/>
-                <a:cs typeface="Arial" panose="020B0604020202020204" pitchFamily="34" charset="0"/>
-              </a:rPr>
-              <a:t>Seguridad de la infraestructura de la red</a:t>
-            </a:r>
-          </a:p>
-          <a:p>
-            <a:pPr marL="984250" lvl="1" algn="just">
-              <a:lnSpc>
-                <a:spcPct val="150000"/>
-              </a:lnSpc>
-              <a:buClr>
-                <a:srgbClr val="454551"/>
-              </a:buClr>
-              <a:buFont typeface="Courier New" panose="02070309020205020404" pitchFamily="49" charset="0"/>
-              <a:buChar char="o"/>
-              <a:tabLst>
-                <a:tab pos="241300" algn="l"/>
-              </a:tabLst>
-            </a:pPr>
-            <a:r>
-              <a:rPr lang="es-ES" sz="1400" dirty="0">
-                <a:latin typeface="Arial" panose="020B0604020202020204" pitchFamily="34" charset="0"/>
-                <a:cs typeface="Arial" panose="020B0604020202020204" pitchFamily="34" charset="0"/>
-              </a:rPr>
-              <a:t>Seguridad física de los dispositivos de red.</a:t>
-            </a:r>
-          </a:p>
-          <a:p>
-            <a:pPr marL="984250" lvl="1" algn="just">
-              <a:lnSpc>
-                <a:spcPct val="150000"/>
-              </a:lnSpc>
-              <a:buClr>
-                <a:srgbClr val="454551"/>
-              </a:buClr>
-              <a:buFont typeface="Courier New" panose="02070309020205020404" pitchFamily="49" charset="0"/>
-              <a:buChar char="o"/>
-              <a:tabLst>
-                <a:tab pos="241300" algn="l"/>
-              </a:tabLst>
-            </a:pPr>
-            <a:r>
-              <a:rPr lang="es-ES" sz="1400" dirty="0">
-                <a:latin typeface="Arial" panose="020B0604020202020204" pitchFamily="34" charset="0"/>
-                <a:cs typeface="Arial" panose="020B0604020202020204" pitchFamily="34" charset="0"/>
-              </a:rPr>
-              <a:t>Evitar el acceso no autorizado al software en dichos dispositivos.</a:t>
-            </a:r>
-          </a:p>
-          <a:p>
-            <a:pPr marL="241300" indent="-228600" algn="just">
-              <a:lnSpc>
-                <a:spcPct val="150000"/>
-              </a:lnSpc>
-              <a:buClr>
-                <a:srgbClr val="454551"/>
-              </a:buClr>
-              <a:buFont typeface="Arial"/>
-              <a:buChar char="•"/>
-              <a:tabLst>
-                <a:tab pos="241300" algn="l"/>
-              </a:tabLst>
-            </a:pPr>
-            <a:r>
-              <a:rPr lang="es-ES" sz="1400" dirty="0">
+              <a:rPr lang="es-ES" sz="1400" b="1" dirty="0">
+                <a:solidFill>
+                  <a:schemeClr val="accent6">
+                    <a:lumMod val="75000"/>
+                  </a:schemeClr>
+                </a:solidFill>
                 <a:latin typeface="Arial" panose="020B0604020202020204" pitchFamily="34" charset="0"/>
                 <a:cs typeface="Arial" panose="020B0604020202020204" pitchFamily="34" charset="0"/>
               </a:rPr>
@@ -6943,7 +6937,7 @@
         </p:blipFill>
         <p:spPr>
           <a:xfrm>
-            <a:off x="1763688" y="2996952"/>
+            <a:off x="1691680" y="3068960"/>
             <a:ext cx="5171880" cy="3419475"/>
           </a:xfrm>
           <a:prstGeom prst="rect">

--- a/Calendario2022/Presentaciones/7_ArquitecturaRed.pptx
+++ b/Calendario2022/Presentaciones/7_ArquitecturaRed.pptx
@@ -214,7 +214,7 @@
           <a:p>
             <a:fld id="{2D445F07-8756-451B-A938-0248325FC7BB}" type="datetimeFigureOut">
               <a:rPr lang="es-MX" smtClean="0"/>
-              <a:t>15/05/2022</a:t>
+              <a:t>16/05/2022</a:t>
             </a:fld>
             <a:endParaRPr lang="es-MX" dirty="0"/>
           </a:p>
@@ -747,7 +747,7 @@
           <a:p>
             <a:fld id="{5E75A0DC-66C6-4CEC-A5EB-F8C97CEC3796}" type="datetimeFigureOut">
               <a:rPr lang="es-MX" smtClean="0"/>
-              <a:t>15/05/2022</a:t>
+              <a:t>16/05/2022</a:t>
             </a:fld>
             <a:endParaRPr lang="es-MX" dirty="0"/>
           </a:p>
@@ -917,7 +917,7 @@
           <a:p>
             <a:fld id="{5E75A0DC-66C6-4CEC-A5EB-F8C97CEC3796}" type="datetimeFigureOut">
               <a:rPr lang="es-MX" smtClean="0"/>
-              <a:t>15/05/2022</a:t>
+              <a:t>16/05/2022</a:t>
             </a:fld>
             <a:endParaRPr lang="es-MX" dirty="0"/>
           </a:p>
@@ -1097,7 +1097,7 @@
           <a:p>
             <a:fld id="{5E75A0DC-66C6-4CEC-A5EB-F8C97CEC3796}" type="datetimeFigureOut">
               <a:rPr lang="es-MX" smtClean="0"/>
-              <a:t>15/05/2022</a:t>
+              <a:t>16/05/2022</a:t>
             </a:fld>
             <a:endParaRPr lang="es-MX" dirty="0"/>
           </a:p>
@@ -1267,7 +1267,7 @@
           <a:p>
             <a:fld id="{5E75A0DC-66C6-4CEC-A5EB-F8C97CEC3796}" type="datetimeFigureOut">
               <a:rPr lang="es-MX" smtClean="0"/>
-              <a:t>15/05/2022</a:t>
+              <a:t>16/05/2022</a:t>
             </a:fld>
             <a:endParaRPr lang="es-MX" dirty="0"/>
           </a:p>
@@ -1513,7 +1513,7 @@
           <a:p>
             <a:fld id="{5E75A0DC-66C6-4CEC-A5EB-F8C97CEC3796}" type="datetimeFigureOut">
               <a:rPr lang="es-MX" smtClean="0"/>
-              <a:t>15/05/2022</a:t>
+              <a:t>16/05/2022</a:t>
             </a:fld>
             <a:endParaRPr lang="es-MX" dirty="0"/>
           </a:p>
@@ -1801,7 +1801,7 @@
           <a:p>
             <a:fld id="{5E75A0DC-66C6-4CEC-A5EB-F8C97CEC3796}" type="datetimeFigureOut">
               <a:rPr lang="es-MX" smtClean="0"/>
-              <a:t>15/05/2022</a:t>
+              <a:t>16/05/2022</a:t>
             </a:fld>
             <a:endParaRPr lang="es-MX" dirty="0"/>
           </a:p>
@@ -2223,7 +2223,7 @@
           <a:p>
             <a:fld id="{5E75A0DC-66C6-4CEC-A5EB-F8C97CEC3796}" type="datetimeFigureOut">
               <a:rPr lang="es-MX" smtClean="0"/>
-              <a:t>15/05/2022</a:t>
+              <a:t>16/05/2022</a:t>
             </a:fld>
             <a:endParaRPr lang="es-MX" dirty="0"/>
           </a:p>
@@ -2341,7 +2341,7 @@
           <a:p>
             <a:fld id="{5E75A0DC-66C6-4CEC-A5EB-F8C97CEC3796}" type="datetimeFigureOut">
               <a:rPr lang="es-MX" smtClean="0"/>
-              <a:t>15/05/2022</a:t>
+              <a:t>16/05/2022</a:t>
             </a:fld>
             <a:endParaRPr lang="es-MX" dirty="0"/>
           </a:p>
@@ -2436,7 +2436,7 @@
           <a:p>
             <a:fld id="{5E75A0DC-66C6-4CEC-A5EB-F8C97CEC3796}" type="datetimeFigureOut">
               <a:rPr lang="es-MX" smtClean="0"/>
-              <a:t>15/05/2022</a:t>
+              <a:t>16/05/2022</a:t>
             </a:fld>
             <a:endParaRPr lang="es-MX" dirty="0"/>
           </a:p>
@@ -2713,7 +2713,7 @@
           <a:p>
             <a:fld id="{5E75A0DC-66C6-4CEC-A5EB-F8C97CEC3796}" type="datetimeFigureOut">
               <a:rPr lang="es-MX" smtClean="0"/>
-              <a:t>15/05/2022</a:t>
+              <a:t>16/05/2022</a:t>
             </a:fld>
             <a:endParaRPr lang="es-MX" dirty="0"/>
           </a:p>
@@ -2966,7 +2966,7 @@
           <a:p>
             <a:fld id="{5E75A0DC-66C6-4CEC-A5EB-F8C97CEC3796}" type="datetimeFigureOut">
               <a:rPr lang="es-MX" smtClean="0"/>
-              <a:t>15/05/2022</a:t>
+              <a:t>16/05/2022</a:t>
             </a:fld>
             <a:endParaRPr lang="es-MX" dirty="0"/>
           </a:p>
@@ -3179,7 +3179,7 @@
           <a:p>
             <a:fld id="{5E75A0DC-66C6-4CEC-A5EB-F8C97CEC3796}" type="datetimeFigureOut">
               <a:rPr lang="es-MX" smtClean="0"/>
-              <a:t>15/05/2022</a:t>
+              <a:t>16/05/2022</a:t>
             </a:fld>
             <a:endParaRPr lang="es-MX" dirty="0"/>
           </a:p>
@@ -4076,7 +4076,7 @@
                 <a:latin typeface="Arial" panose="020B0604020202020204" pitchFamily="34" charset="0"/>
                 <a:cs typeface="Arial" panose="020B0604020202020204" pitchFamily="34" charset="0"/>
               </a:rPr>
-              <a:t>Existen cuatro características básicas que las arquitecturas de una red deben abordar para cumplir con las expectativas del usuario:</a:t>
+              <a:t>Existen cuatro características básicas que las arquitecturas de una red que se deben tomar en cuenta para cumplir con las expectativas del usuario:</a:t>
             </a:r>
           </a:p>
           <a:p>
@@ -4284,7 +4284,7 @@
                             </p:stCondLst>
                             <p:childTnLst>
                               <p:par>
-                                <p:cTn id="5" presetID="15" presetClass="entr" presetSubtype="0" fill="hold" grpId="0" nodeType="clickEffect">
+                                <p:cTn id="5" presetID="1" presetClass="entr" presetSubtype="0" fill="hold" grpId="0" nodeType="clickEffect">
                                   <p:stCondLst>
                                     <p:cond delay="0"/>
                                   </p:stCondLst>
@@ -4307,98 +4307,6 @@
                                         <p:strVal val="visible"/>
                                       </p:to>
                                     </p:set>
-                                    <p:anim calcmode="lin" valueType="num">
-                                      <p:cBhvr>
-                                        <p:cTn id="7" dur="1000" fill="hold"/>
-                                        <p:tgtEl>
-                                          <p:spTgt spid="5"/>
-                                        </p:tgtEl>
-                                        <p:attrNameLst>
-                                          <p:attrName>ppt_w</p:attrName>
-                                        </p:attrNameLst>
-                                      </p:cBhvr>
-                                      <p:tavLst>
-                                        <p:tav tm="0">
-                                          <p:val>
-                                            <p:fltVal val="0"/>
-                                          </p:val>
-                                        </p:tav>
-                                        <p:tav tm="100000">
-                                          <p:val>
-                                            <p:strVal val="#ppt_w"/>
-                                          </p:val>
-                                        </p:tav>
-                                      </p:tavLst>
-                                    </p:anim>
-                                    <p:anim calcmode="lin" valueType="num">
-                                      <p:cBhvr>
-                                        <p:cTn id="8" dur="1000" fill="hold"/>
-                                        <p:tgtEl>
-                                          <p:spTgt spid="5"/>
-                                        </p:tgtEl>
-                                        <p:attrNameLst>
-                                          <p:attrName>ppt_h</p:attrName>
-                                        </p:attrNameLst>
-                                      </p:cBhvr>
-                                      <p:tavLst>
-                                        <p:tav tm="0">
-                                          <p:val>
-                                            <p:fltVal val="0"/>
-                                          </p:val>
-                                        </p:tav>
-                                        <p:tav tm="100000">
-                                          <p:val>
-                                            <p:strVal val="#ppt_h"/>
-                                          </p:val>
-                                        </p:tav>
-                                      </p:tavLst>
-                                    </p:anim>
-                                    <p:anim calcmode="lin" valueType="num">
-                                      <p:cBhvr>
-                                        <p:cTn id="9" dur="1000" fill="hold"/>
-                                        <p:tgtEl>
-                                          <p:spTgt spid="5"/>
-                                        </p:tgtEl>
-                                        <p:attrNameLst>
-                                          <p:attrName>ppt_x</p:attrName>
-                                        </p:attrNameLst>
-                                      </p:cBhvr>
-                                      <p:tavLst>
-                                        <p:tav tm="0" fmla="#ppt_x+(cos(-2*pi*(1-$))*-#ppt_x-sin(-2*pi*(1-$))*(1-#ppt_y))*(1-$)">
-                                          <p:val>
-                                            <p:fltVal val="0"/>
-                                          </p:val>
-                                        </p:tav>
-                                        <p:tav tm="100000">
-                                          <p:val>
-                                            <p:fltVal val="1"/>
-                                          </p:val>
-                                        </p:tav>
-                                      </p:tavLst>
-                                    </p:anim>
-                                    <p:anim calcmode="lin" valueType="num">
-                                      <p:cBhvr>
-                                        <p:cTn id="10" dur="1000" fill="hold"/>
-                                        <p:tgtEl>
-                                          <p:spTgt spid="5"/>
-                                        </p:tgtEl>
-                                        <p:attrNameLst>
-                                          <p:attrName>ppt_y</p:attrName>
-                                        </p:attrNameLst>
-                                      </p:cBhvr>
-                                      <p:tavLst>
-                                        <p:tav tm="0" fmla="#ppt_y+(sin(-2*pi*(1-$))*-#ppt_x+cos(-2*pi*(1-$))*(1-#ppt_y))*(1-$)">
-                                          <p:val>
-                                            <p:fltVal val="0"/>
-                                          </p:val>
-                                        </p:tav>
-                                        <p:tav tm="100000">
-                                          <p:val>
-                                            <p:fltVal val="1"/>
-                                          </p:val>
-                                        </p:tav>
-                                      </p:tavLst>
-                                    </p:anim>
                                   </p:childTnLst>
                                 </p:cTn>
                               </p:par>
@@ -4430,7 +4338,7 @@
       </p:par>
     </p:tnLst>
     <p:bldLst>
-      <p:bldP spid="5" grpId="0" autoUpdateAnimBg="0"/>
+      <p:bldP spid="5" grpId="0"/>
     </p:bldLst>
   </p:timing>
 </p:sld>
@@ -4921,7 +4829,7 @@
         </p:blipFill>
         <p:spPr>
           <a:xfrm>
-            <a:off x="1763688" y="3140967"/>
+            <a:off x="1979712" y="3140967"/>
             <a:ext cx="5458587" cy="3227607"/>
           </a:xfrm>
           <a:prstGeom prst="rect">
@@ -5085,6 +4993,117 @@
                       </p:childTnLst>
                     </p:cTn>
                   </p:par>
+                  <p:par>
+                    <p:cTn id="11" fill="hold">
+                      <p:stCondLst>
+                        <p:cond delay="indefinite"/>
+                      </p:stCondLst>
+                      <p:childTnLst>
+                        <p:par>
+                          <p:cTn id="12" fill="hold">
+                            <p:stCondLst>
+                              <p:cond delay="0"/>
+                            </p:stCondLst>
+                            <p:childTnLst>
+                              <p:par>
+                                <p:cTn id="13" presetID="1" presetClass="entr" presetSubtype="0" fill="hold" nodeType="clickEffect">
+                                  <p:stCondLst>
+                                    <p:cond delay="0"/>
+                                  </p:stCondLst>
+                                  <p:childTnLst>
+                                    <p:set>
+                                      <p:cBhvr>
+                                        <p:cTn id="14" dur="1" fill="hold">
+                                          <p:stCondLst>
+                                            <p:cond delay="0"/>
+                                          </p:stCondLst>
+                                        </p:cTn>
+                                        <p:tgtEl>
+                                          <p:spTgt spid="5">
+                                            <p:txEl>
+                                              <p:pRg st="0" end="0"/>
+                                            </p:txEl>
+                                          </p:spTgt>
+                                        </p:tgtEl>
+                                        <p:attrNameLst>
+                                          <p:attrName>style.visibility</p:attrName>
+                                        </p:attrNameLst>
+                                      </p:cBhvr>
+                                      <p:to>
+                                        <p:strVal val="visible"/>
+                                      </p:to>
+                                    </p:set>
+                                  </p:childTnLst>
+                                </p:cTn>
+                              </p:par>
+                              <p:par>
+                                <p:cTn id="15" presetID="1" presetClass="entr" presetSubtype="0" fill="hold" nodeType="withEffect">
+                                  <p:stCondLst>
+                                    <p:cond delay="0"/>
+                                  </p:stCondLst>
+                                  <p:childTnLst>
+                                    <p:set>
+                                      <p:cBhvr>
+                                        <p:cTn id="16" dur="1" fill="hold">
+                                          <p:stCondLst>
+                                            <p:cond delay="0"/>
+                                          </p:stCondLst>
+                                        </p:cTn>
+                                        <p:tgtEl>
+                                          <p:spTgt spid="5">
+                                            <p:txEl>
+                                              <p:pRg st="1" end="1"/>
+                                            </p:txEl>
+                                          </p:spTgt>
+                                        </p:tgtEl>
+                                        <p:attrNameLst>
+                                          <p:attrName>style.visibility</p:attrName>
+                                        </p:attrNameLst>
+                                      </p:cBhvr>
+                                      <p:to>
+                                        <p:strVal val="visible"/>
+                                      </p:to>
+                                    </p:set>
+                                  </p:childTnLst>
+                                </p:cTn>
+                              </p:par>
+                              <p:par>
+                                <p:cTn id="17" presetID="1" presetClass="entr" presetSubtype="0" fill="hold" nodeType="withEffect">
+                                  <p:stCondLst>
+                                    <p:cond delay="0"/>
+                                  </p:stCondLst>
+                                  <p:childTnLst>
+                                    <p:set>
+                                      <p:cBhvr>
+                                        <p:cTn id="18" dur="1" fill="hold">
+                                          <p:stCondLst>
+                                            <p:cond delay="0"/>
+                                          </p:stCondLst>
+                                        </p:cTn>
+                                        <p:tgtEl>
+                                          <p:spTgt spid="5">
+                                            <p:txEl>
+                                              <p:pRg st="2" end="2"/>
+                                            </p:txEl>
+                                          </p:spTgt>
+                                        </p:tgtEl>
+                                        <p:attrNameLst>
+                                          <p:attrName>style.visibility</p:attrName>
+                                        </p:attrNameLst>
+                                      </p:cBhvr>
+                                      <p:to>
+                                        <p:strVal val="visible"/>
+                                      </p:to>
+                                    </p:set>
+                                  </p:childTnLst>
+                                </p:cTn>
+                              </p:par>
+                            </p:childTnLst>
+                          </p:cTn>
+                        </p:par>
+                      </p:childTnLst>
+                    </p:cTn>
+                  </p:par>
                 </p:childTnLst>
               </p:cTn>
               <p:prevCondLst>
@@ -5141,7 +5160,7 @@
         <p:spPr bwMode="auto">
           <a:xfrm>
             <a:off x="802481" y="332656"/>
-            <a:ext cx="7539037" cy="584775"/>
+            <a:ext cx="7297911" cy="584775"/>
           </a:xfrm>
           <a:prstGeom prst="rect">
             <a:avLst/>
@@ -5593,7 +5612,7 @@
                             </p:stCondLst>
                             <p:childTnLst>
                               <p:par>
-                                <p:cTn id="5" presetID="15" presetClass="entr" presetSubtype="0" fill="hold" grpId="0" nodeType="clickEffect">
+                                <p:cTn id="5" presetID="1" presetClass="entr" presetSubtype="0" fill="hold" grpId="0" nodeType="clickEffect">
                                   <p:stCondLst>
                                     <p:cond delay="0"/>
                                   </p:stCondLst>
@@ -5616,98 +5635,6 @@
                                         <p:strVal val="visible"/>
                                       </p:to>
                                     </p:set>
-                                    <p:anim calcmode="lin" valueType="num">
-                                      <p:cBhvr>
-                                        <p:cTn id="7" dur="1000" fill="hold"/>
-                                        <p:tgtEl>
-                                          <p:spTgt spid="5"/>
-                                        </p:tgtEl>
-                                        <p:attrNameLst>
-                                          <p:attrName>ppt_w</p:attrName>
-                                        </p:attrNameLst>
-                                      </p:cBhvr>
-                                      <p:tavLst>
-                                        <p:tav tm="0">
-                                          <p:val>
-                                            <p:fltVal val="0"/>
-                                          </p:val>
-                                        </p:tav>
-                                        <p:tav tm="100000">
-                                          <p:val>
-                                            <p:strVal val="#ppt_w"/>
-                                          </p:val>
-                                        </p:tav>
-                                      </p:tavLst>
-                                    </p:anim>
-                                    <p:anim calcmode="lin" valueType="num">
-                                      <p:cBhvr>
-                                        <p:cTn id="8" dur="1000" fill="hold"/>
-                                        <p:tgtEl>
-                                          <p:spTgt spid="5"/>
-                                        </p:tgtEl>
-                                        <p:attrNameLst>
-                                          <p:attrName>ppt_h</p:attrName>
-                                        </p:attrNameLst>
-                                      </p:cBhvr>
-                                      <p:tavLst>
-                                        <p:tav tm="0">
-                                          <p:val>
-                                            <p:fltVal val="0"/>
-                                          </p:val>
-                                        </p:tav>
-                                        <p:tav tm="100000">
-                                          <p:val>
-                                            <p:strVal val="#ppt_h"/>
-                                          </p:val>
-                                        </p:tav>
-                                      </p:tavLst>
-                                    </p:anim>
-                                    <p:anim calcmode="lin" valueType="num">
-                                      <p:cBhvr>
-                                        <p:cTn id="9" dur="1000" fill="hold"/>
-                                        <p:tgtEl>
-                                          <p:spTgt spid="5"/>
-                                        </p:tgtEl>
-                                        <p:attrNameLst>
-                                          <p:attrName>ppt_x</p:attrName>
-                                        </p:attrNameLst>
-                                      </p:cBhvr>
-                                      <p:tavLst>
-                                        <p:tav tm="0" fmla="#ppt_x+(cos(-2*pi*(1-$))*-#ppt_x-sin(-2*pi*(1-$))*(1-#ppt_y))*(1-$)">
-                                          <p:val>
-                                            <p:fltVal val="0"/>
-                                          </p:val>
-                                        </p:tav>
-                                        <p:tav tm="100000">
-                                          <p:val>
-                                            <p:fltVal val="1"/>
-                                          </p:val>
-                                        </p:tav>
-                                      </p:tavLst>
-                                    </p:anim>
-                                    <p:anim calcmode="lin" valueType="num">
-                                      <p:cBhvr>
-                                        <p:cTn id="10" dur="1000" fill="hold"/>
-                                        <p:tgtEl>
-                                          <p:spTgt spid="5"/>
-                                        </p:tgtEl>
-                                        <p:attrNameLst>
-                                          <p:attrName>ppt_y</p:attrName>
-                                        </p:attrNameLst>
-                                      </p:cBhvr>
-                                      <p:tavLst>
-                                        <p:tav tm="0" fmla="#ppt_y+(sin(-2*pi*(1-$))*-#ppt_x+cos(-2*pi*(1-$))*(1-#ppt_y))*(1-$)">
-                                          <p:val>
-                                            <p:fltVal val="0"/>
-                                          </p:val>
-                                        </p:tav>
-                                        <p:tav tm="100000">
-                                          <p:val>
-                                            <p:fltVal val="1"/>
-                                          </p:val>
-                                        </p:tav>
-                                      </p:tavLst>
-                                    </p:anim>
                                   </p:childTnLst>
                                 </p:cTn>
                               </p:par>
@@ -5739,7 +5666,7 @@
       </p:par>
     </p:tnLst>
     <p:bldLst>
-      <p:bldP spid="5" grpId="0" autoUpdateAnimBg="0"/>
+      <p:bldP spid="5" grpId="0"/>
     </p:bldLst>
   </p:timing>
 </p:sld>
@@ -6098,7 +6025,7 @@
                 <a:latin typeface="Arial" panose="020B0604020202020204" pitchFamily="34" charset="0"/>
                 <a:cs typeface="Arial" panose="020B0604020202020204" pitchFamily="34" charset="0"/>
               </a:rPr>
-              <a:t>Las transmisiones de voz y video en vivo requieren un buen desempeño. ¿Alguna vez miró un video en vivo con interrupciones y pausas constantes? Esto sucede cuando existe una mayor demanda de ancho de banda que la que hay disponible y la </a:t>
+              <a:t>Las transmisiones de voz y video en vivo requieren de un buen desempeño. ¿Alguna vez miró un video en vivo con interrupciones y pausas constantes? Esto sucede cuando existe una mayor demanda de ancho de banda que la que hay disponible y la </a:t>
             </a:r>
             <a:r>
               <a:rPr lang="es-ES" sz="1400" dirty="0" err="1">
@@ -6244,7 +6171,7 @@
         </p:blipFill>
         <p:spPr>
           <a:xfrm>
-            <a:off x="2843808" y="2996951"/>
+            <a:off x="2915816" y="3051418"/>
             <a:ext cx="5688632" cy="3615515"/>
           </a:xfrm>
           <a:prstGeom prst="rect">
@@ -6937,7 +6864,7 @@
         </p:blipFill>
         <p:spPr>
           <a:xfrm>
-            <a:off x="1691680" y="3068960"/>
+            <a:off x="1986060" y="3140968"/>
             <a:ext cx="5171880" cy="3419475"/>
           </a:xfrm>
           <a:prstGeom prst="rect">
@@ -7613,7 +7540,7 @@
         </p:blipFill>
         <p:spPr>
           <a:xfrm>
-            <a:off x="1691680" y="2852936"/>
+            <a:off x="1835696" y="2852936"/>
             <a:ext cx="5171880" cy="3419475"/>
           </a:xfrm>
           <a:prstGeom prst="rect">
@@ -7653,7 +7580,7 @@
                             </p:stCondLst>
                             <p:childTnLst>
                               <p:par>
-                                <p:cTn id="5" presetID="15" presetClass="entr" presetSubtype="0" fill="hold" grpId="0" nodeType="clickEffect">
+                                <p:cTn id="5" presetID="1" presetClass="entr" presetSubtype="0" fill="hold" grpId="0" nodeType="clickEffect">
                                   <p:stCondLst>
                                     <p:cond delay="0"/>
                                   </p:stCondLst>
@@ -7676,98 +7603,6 @@
                                         <p:strVal val="visible"/>
                                       </p:to>
                                     </p:set>
-                                    <p:anim calcmode="lin" valueType="num">
-                                      <p:cBhvr>
-                                        <p:cTn id="7" dur="1000" fill="hold"/>
-                                        <p:tgtEl>
-                                          <p:spTgt spid="5"/>
-                                        </p:tgtEl>
-                                        <p:attrNameLst>
-                                          <p:attrName>ppt_w</p:attrName>
-                                        </p:attrNameLst>
-                                      </p:cBhvr>
-                                      <p:tavLst>
-                                        <p:tav tm="0">
-                                          <p:val>
-                                            <p:fltVal val="0"/>
-                                          </p:val>
-                                        </p:tav>
-                                        <p:tav tm="100000">
-                                          <p:val>
-                                            <p:strVal val="#ppt_w"/>
-                                          </p:val>
-                                        </p:tav>
-                                      </p:tavLst>
-                                    </p:anim>
-                                    <p:anim calcmode="lin" valueType="num">
-                                      <p:cBhvr>
-                                        <p:cTn id="8" dur="1000" fill="hold"/>
-                                        <p:tgtEl>
-                                          <p:spTgt spid="5"/>
-                                        </p:tgtEl>
-                                        <p:attrNameLst>
-                                          <p:attrName>ppt_h</p:attrName>
-                                        </p:attrNameLst>
-                                      </p:cBhvr>
-                                      <p:tavLst>
-                                        <p:tav tm="0">
-                                          <p:val>
-                                            <p:fltVal val="0"/>
-                                          </p:val>
-                                        </p:tav>
-                                        <p:tav tm="100000">
-                                          <p:val>
-                                            <p:strVal val="#ppt_h"/>
-                                          </p:val>
-                                        </p:tav>
-                                      </p:tavLst>
-                                    </p:anim>
-                                    <p:anim calcmode="lin" valueType="num">
-                                      <p:cBhvr>
-                                        <p:cTn id="9" dur="1000" fill="hold"/>
-                                        <p:tgtEl>
-                                          <p:spTgt spid="5"/>
-                                        </p:tgtEl>
-                                        <p:attrNameLst>
-                                          <p:attrName>ppt_x</p:attrName>
-                                        </p:attrNameLst>
-                                      </p:cBhvr>
-                                      <p:tavLst>
-                                        <p:tav tm="0" fmla="#ppt_x+(cos(-2*pi*(1-$))*-#ppt_x-sin(-2*pi*(1-$))*(1-#ppt_y))*(1-$)">
-                                          <p:val>
-                                            <p:fltVal val="0"/>
-                                          </p:val>
-                                        </p:tav>
-                                        <p:tav tm="100000">
-                                          <p:val>
-                                            <p:fltVal val="1"/>
-                                          </p:val>
-                                        </p:tav>
-                                      </p:tavLst>
-                                    </p:anim>
-                                    <p:anim calcmode="lin" valueType="num">
-                                      <p:cBhvr>
-                                        <p:cTn id="10" dur="1000" fill="hold"/>
-                                        <p:tgtEl>
-                                          <p:spTgt spid="5"/>
-                                        </p:tgtEl>
-                                        <p:attrNameLst>
-                                          <p:attrName>ppt_y</p:attrName>
-                                        </p:attrNameLst>
-                                      </p:cBhvr>
-                                      <p:tavLst>
-                                        <p:tav tm="0" fmla="#ppt_y+(sin(-2*pi*(1-$))*-#ppt_x+cos(-2*pi*(1-$))*(1-#ppt_y))*(1-$)">
-                                          <p:val>
-                                            <p:fltVal val="0"/>
-                                          </p:val>
-                                        </p:tav>
-                                        <p:tav tm="100000">
-                                          <p:val>
-                                            <p:fltVal val="1"/>
-                                          </p:val>
-                                        </p:tav>
-                                      </p:tavLst>
-                                    </p:anim>
                                   </p:childTnLst>
                                 </p:cTn>
                               </p:par>
@@ -7799,7 +7634,7 @@
       </p:par>
     </p:tnLst>
     <p:bldLst>
-      <p:bldP spid="5" grpId="0" autoUpdateAnimBg="0"/>
+      <p:bldP spid="5" grpId="0"/>
     </p:bldLst>
   </p:timing>
 </p:sld>
